--- a/Lessons/F_Tree_RF/C_RandomForests.pptx
+++ b/Lessons/F_Tree_RF/C_RandomForests.pptx
@@ -222,7 +222,7 @@
           <a:p>
             <a:fld id="{B0C0A60C-850A-4EA4-9C14-A8FE98B94505}" type="datetimeFigureOut">
               <a:rPr lang="en-US" smtClean="0"/>
-              <a:t>10/23/23</a:t>
+              <a:t>3/4/24</a:t>
             </a:fld>
             <a:endParaRPr lang="en-US"/>
           </a:p>
@@ -573,6 +573,90 @@
 </p:notes>
 </file>
 
+<file path=ppt/notesSlides/notesSlide2.xml><?xml version="1.0" encoding="utf-8"?>
+<p:notes xmlns:a="http://schemas.openxmlformats.org/drawingml/2006/main" xmlns:r="http://schemas.openxmlformats.org/officeDocument/2006/relationships" xmlns:p="http://schemas.openxmlformats.org/presentationml/2006/main">
+  <p:cSld>
+    <p:spTree>
+      <p:nvGrpSpPr>
+        <p:cNvPr id="1" name=""/>
+        <p:cNvGrpSpPr/>
+        <p:nvPr/>
+      </p:nvGrpSpPr>
+      <p:grpSpPr>
+        <a:xfrm>
+          <a:off x="0" y="0"/>
+          <a:ext cx="0" cy="0"/>
+          <a:chOff x="0" y="0"/>
+          <a:chExt cx="0" cy="0"/>
+        </a:xfrm>
+      </p:grpSpPr>
+      <p:sp>
+        <p:nvSpPr>
+          <p:cNvPr id="2" name="Slide Image Placeholder 1"/>
+          <p:cNvSpPr>
+            <a:spLocks noGrp="1" noRot="1" noChangeAspect="1"/>
+          </p:cNvSpPr>
+          <p:nvPr>
+            <p:ph type="sldImg"/>
+          </p:nvPr>
+        </p:nvSpPr>
+        <p:spPr/>
+      </p:sp>
+      <p:sp>
+        <p:nvSpPr>
+          <p:cNvPr id="3" name="Notes Placeholder 2"/>
+          <p:cNvSpPr>
+            <a:spLocks noGrp="1"/>
+          </p:cNvSpPr>
+          <p:nvPr>
+            <p:ph type="body" idx="1"/>
+          </p:nvPr>
+        </p:nvSpPr>
+        <p:spPr/>
+        <p:txBody>
+          <a:bodyPr/>
+          <a:lstStyle/>
+          <a:p>
+            <a:endParaRPr lang="en-US" dirty="0"/>
+          </a:p>
+        </p:txBody>
+      </p:sp>
+      <p:sp>
+        <p:nvSpPr>
+          <p:cNvPr id="4" name="Slide Number Placeholder 3"/>
+          <p:cNvSpPr>
+            <a:spLocks noGrp="1"/>
+          </p:cNvSpPr>
+          <p:nvPr>
+            <p:ph type="sldNum" sz="quarter" idx="5"/>
+          </p:nvPr>
+        </p:nvSpPr>
+        <p:spPr/>
+        <p:txBody>
+          <a:bodyPr/>
+          <a:lstStyle/>
+          <a:p>
+            <a:fld id="{24E9AA13-E3FC-4BB6-B68D-5F0F5803D716}" type="slidenum">
+              <a:rPr lang="en-US" smtClean="0"/>
+              <a:t>12</a:t>
+            </a:fld>
+            <a:endParaRPr lang="en-US"/>
+          </a:p>
+        </p:txBody>
+      </p:sp>
+    </p:spTree>
+    <p:extLst>
+      <p:ext uri="{BB962C8B-B14F-4D97-AF65-F5344CB8AC3E}">
+        <p14:creationId xmlns:p14="http://schemas.microsoft.com/office/powerpoint/2010/main" val="249476270"/>
+      </p:ext>
+    </p:extLst>
+  </p:cSld>
+  <p:clrMapOvr>
+    <a:masterClrMapping/>
+  </p:clrMapOvr>
+</p:notes>
+</file>
+
 <file path=ppt/slideLayouts/slideLayout1.xml><?xml version="1.0" encoding="utf-8"?>
 <p:sldLayout xmlns:a="http://schemas.openxmlformats.org/drawingml/2006/main" xmlns:r="http://schemas.openxmlformats.org/officeDocument/2006/relationships" xmlns:p="http://schemas.openxmlformats.org/presentationml/2006/main" type="title" preserve="1">
   <p:cSld name="Title Slide">
@@ -705,7 +789,7 @@
           <a:p>
             <a:fld id="{5738B90E-0779-4C36-915C-6F05FCD89456}" type="datetime1">
               <a:rPr lang="en-US" smtClean="0"/>
-              <a:t>10/23/23</a:t>
+              <a:t>3/4/24</a:t>
             </a:fld>
             <a:endParaRPr lang="en-US"/>
           </a:p>
@@ -815,7 +899,7 @@
           <a:p>
             <a:r>
               <a:rPr lang="en-US" dirty="0"/>
-              <a:t>Kwartler CSCI-96</a:t>
+              <a:t>Kwartler </a:t>
             </a:r>
           </a:p>
         </p:txBody>
@@ -923,7 +1007,7 @@
           <a:p>
             <a:fld id="{7B9EA29D-D431-42FE-B7B6-AAE4454C77D3}" type="datetime1">
               <a:rPr lang="en-US" smtClean="0"/>
-              <a:t>10/23/23</a:t>
+              <a:t>3/4/24</a:t>
             </a:fld>
             <a:endParaRPr lang="en-US"/>
           </a:p>
@@ -946,7 +1030,7 @@
           <a:p>
             <a:r>
               <a:rPr lang="en-US" dirty="0"/>
-              <a:t>Kwartler CSCI-96</a:t>
+              <a:t>Kwartler </a:t>
             </a:r>
           </a:p>
         </p:txBody>
@@ -1183,7 +1267,7 @@
           <a:p>
             <a:fld id="{690D8A1E-EA8F-46C1-B891-AE0C00D9C314}" type="datetime1">
               <a:rPr lang="en-US" smtClean="0"/>
-              <a:t>10/23/23</a:t>
+              <a:t>3/4/24</a:t>
             </a:fld>
             <a:endParaRPr lang="en-US"/>
           </a:p>
@@ -1339,7 +1423,7 @@
           <a:p>
             <a:r>
               <a:rPr lang="en-US" dirty="0"/>
-              <a:t>Kwartler CSCI-96</a:t>
+              <a:t>Kwartler </a:t>
             </a:r>
           </a:p>
         </p:txBody>
@@ -1477,7 +1561,7 @@
           <a:p>
             <a:fld id="{D753EFC8-4232-4598-94F6-94C0EBAFC469}" type="datetime1">
               <a:rPr lang="en-US" smtClean="0"/>
-              <a:t>10/23/23</a:t>
+              <a:t>3/4/24</a:t>
             </a:fld>
             <a:endParaRPr lang="en-US"/>
           </a:p>
@@ -1587,7 +1671,7 @@
           <a:p>
             <a:r>
               <a:rPr lang="en-US" dirty="0"/>
-              <a:t>Kwartler CSCI-96</a:t>
+              <a:t>Kwartler </a:t>
             </a:r>
           </a:p>
         </p:txBody>
@@ -1792,7 +1876,7 @@
           <a:p>
             <a:fld id="{F3161074-1C18-4AE7-957D-F18524378C85}" type="datetime1">
               <a:rPr lang="en-US" smtClean="0"/>
-              <a:t>10/23/23</a:t>
+              <a:t>3/4/24</a:t>
             </a:fld>
             <a:endParaRPr lang="en-US"/>
           </a:p>
@@ -1902,7 +1986,7 @@
           <a:p>
             <a:r>
               <a:rPr lang="en-US" dirty="0"/>
-              <a:t>Kwartler CSCI-96</a:t>
+              <a:t>Kwartler </a:t>
             </a:r>
           </a:p>
         </p:txBody>
@@ -2066,7 +2150,7 @@
           <a:p>
             <a:fld id="{69BE256C-8D9A-4404-B47D-41A1AE514425}" type="datetime1">
               <a:rPr lang="en-US" smtClean="0"/>
-              <a:t>10/23/23</a:t>
+              <a:t>3/4/24</a:t>
             </a:fld>
             <a:endParaRPr lang="en-US"/>
           </a:p>
@@ -2206,7 +2290,7 @@
           <a:p>
             <a:r>
               <a:rPr lang="en-US" dirty="0"/>
-              <a:t>Kwartler CSCI-96</a:t>
+              <a:t>Kwartler </a:t>
             </a:r>
           </a:p>
         </p:txBody>
@@ -2500,7 +2584,7 @@
           <a:p>
             <a:fld id="{66CB2154-9035-4012-8189-BAAB61C5A5EE}" type="datetime1">
               <a:rPr lang="en-US" smtClean="0"/>
-              <a:t>10/23/23</a:t>
+              <a:t>3/4/24</a:t>
             </a:fld>
             <a:endParaRPr lang="en-US"/>
           </a:p>
@@ -2523,7 +2607,7 @@
           <a:p>
             <a:r>
               <a:rPr lang="en-US" dirty="0"/>
-              <a:t>Kwartler CSCI-96</a:t>
+              <a:t>Kwartler </a:t>
             </a:r>
           </a:p>
         </p:txBody>
@@ -2674,7 +2758,7 @@
           <a:p>
             <a:fld id="{6700A58B-DD98-43D0-B791-721480A02982}" type="datetime1">
               <a:rPr lang="en-US" smtClean="0"/>
-              <a:t>10/23/23</a:t>
+              <a:t>3/4/24</a:t>
             </a:fld>
             <a:endParaRPr lang="en-US"/>
           </a:p>
@@ -2814,7 +2898,7 @@
           <a:p>
             <a:r>
               <a:rPr lang="en-US" dirty="0"/>
-              <a:t>Kwartler CSCI-96</a:t>
+              <a:t>Kwartler </a:t>
             </a:r>
           </a:p>
         </p:txBody>
@@ -2866,7 +2950,7 @@
           <a:p>
             <a:fld id="{7DB6E382-4F61-4E24-BE1A-377EC83D0E3A}" type="datetime1">
               <a:rPr lang="en-US" smtClean="0"/>
-              <a:t>10/23/23</a:t>
+              <a:t>3/4/24</a:t>
             </a:fld>
             <a:endParaRPr lang="en-US"/>
           </a:p>
@@ -2976,7 +3060,7 @@
           <a:p>
             <a:r>
               <a:rPr lang="en-US" dirty="0"/>
-              <a:t>Kwartler CSCI-96</a:t>
+              <a:t>Kwartler </a:t>
             </a:r>
           </a:p>
         </p:txBody>
@@ -3177,7 +3261,7 @@
           <a:p>
             <a:fld id="{4142EED6-FC16-45B9-B8C4-2BC5DBA88325}" type="datetime1">
               <a:rPr lang="en-US" smtClean="0"/>
-              <a:t>10/23/23</a:t>
+              <a:t>3/4/24</a:t>
             </a:fld>
             <a:endParaRPr lang="en-US"/>
           </a:p>
@@ -3317,7 +3401,7 @@
           <a:p>
             <a:r>
               <a:rPr lang="en-US" dirty="0"/>
-              <a:t>Kwartler CSCI-96</a:t>
+              <a:t>Kwartler </a:t>
             </a:r>
           </a:p>
         </p:txBody>
@@ -3495,7 +3579,7 @@
           <a:p>
             <a:fld id="{DF59512B-4F1D-43D7-8819-2F53FEF69650}" type="datetime1">
               <a:rPr lang="en-US" smtClean="0"/>
-              <a:t>10/23/23</a:t>
+              <a:t>3/4/24</a:t>
             </a:fld>
             <a:endParaRPr lang="en-US"/>
           </a:p>
@@ -3635,7 +3719,7 @@
           <a:p>
             <a:r>
               <a:rPr lang="en-US" dirty="0"/>
-              <a:t>Kwartler CSCI-96</a:t>
+              <a:t>Kwartler </a:t>
             </a:r>
           </a:p>
         </p:txBody>
@@ -3771,7 +3855,7 @@
           <a:p>
             <a:fld id="{08437B94-E2BF-44DC-ADC5-B05FC9934E9D}" type="datetime1">
               <a:rPr lang="en-US" smtClean="0"/>
-              <a:t>10/23/23</a:t>
+              <a:t>3/4/24</a:t>
             </a:fld>
             <a:endParaRPr lang="en-US"/>
           </a:p>
@@ -3812,7 +3896,7 @@
           <a:p>
             <a:r>
               <a:rPr lang="en-US" dirty="0"/>
-              <a:t>Kwartler CSCI-96</a:t>
+              <a:t>Kwartler </a:t>
             </a:r>
           </a:p>
         </p:txBody>
@@ -4238,7 +4322,7 @@
           <a:p>
             <a:fld id="{6700A58B-DD98-43D0-B791-721480A02982}" type="datetime1">
               <a:rPr lang="en-US" smtClean="0"/>
-              <a:t>10/23/23</a:t>
+              <a:t>3/4/24</a:t>
             </a:fld>
             <a:endParaRPr lang="en-US"/>
           </a:p>
@@ -4324,7 +4408,7 @@
           <a:p>
             <a:r>
               <a:rPr lang="en-US" dirty="0"/>
-              <a:t>Kwartler CSCI -96</a:t>
+              <a:t>Kwartler </a:t>
             </a:r>
           </a:p>
         </p:txBody>
@@ -4435,7 +4519,7 @@
           <a:p>
             <a:fld id="{6700A58B-DD98-43D0-B791-721480A02982}" type="datetime1">
               <a:rPr lang="en-US" smtClean="0"/>
-              <a:t>10/23/23</a:t>
+              <a:t>3/4/24</a:t>
             </a:fld>
             <a:endParaRPr lang="en-US"/>
           </a:p>
@@ -4521,7 +4605,7 @@
           <a:p>
             <a:r>
               <a:rPr lang="en-US" dirty="0"/>
-              <a:t>Kwartler CSCI -96</a:t>
+              <a:t>Kwartler </a:t>
             </a:r>
           </a:p>
         </p:txBody>
@@ -4847,7 +4931,7 @@
           <a:p>
             <a:fld id="{6700A58B-DD98-43D0-B791-721480A02982}" type="datetime1">
               <a:rPr lang="en-US" smtClean="0"/>
-              <a:t>10/23/23</a:t>
+              <a:t>3/4/24</a:t>
             </a:fld>
             <a:endParaRPr lang="en-US"/>
           </a:p>
@@ -4946,7 +5030,7 @@
           <a:p>
             <a:r>
               <a:rPr lang="en-US" dirty="0"/>
-              <a:t>Kwartler CSCI -96</a:t>
+              <a:t>Kwartler </a:t>
             </a:r>
           </a:p>
         </p:txBody>
@@ -4998,7 +5082,7 @@
           <a:p>
             <a:fld id="{6700A58B-DD98-43D0-B791-721480A02982}" type="datetime1">
               <a:rPr lang="en-US" smtClean="0"/>
-              <a:t>10/23/23</a:t>
+              <a:t>3/4/24</a:t>
             </a:fld>
             <a:endParaRPr lang="en-US"/>
           </a:p>
@@ -5066,7 +5150,7 @@
           <a:p>
             <a:r>
               <a:rPr lang="en-US" dirty="0"/>
-              <a:t>Kwartler CSCI -96</a:t>
+              <a:t>Kwartler </a:t>
             </a:r>
           </a:p>
         </p:txBody>
@@ -5080,7 +5164,7 @@
           <p:nvPr/>
         </p:nvPicPr>
         <p:blipFill>
-          <a:blip r:embed="rId2">
+          <a:blip r:embed="rId3">
             <a:extLst>
               <a:ext uri="{28A0092B-C50C-407E-A947-70E740481C1C}">
                 <a14:useLocalDpi xmlns:a14="http://schemas.microsoft.com/office/drawing/2010/main" val="0"/>
@@ -5320,7 +5404,7 @@
           <p:nvPr/>
         </p:nvPicPr>
         <p:blipFill>
-          <a:blip r:embed="rId3" cstate="print">
+          <a:blip r:embed="rId4" cstate="print">
             <a:extLst>
               <a:ext uri="{28A0092B-C50C-407E-A947-70E740481C1C}">
                 <a14:useLocalDpi xmlns:a14="http://schemas.microsoft.com/office/drawing/2010/main" val="0"/>
@@ -5361,7 +5445,7 @@
           <p:nvPr/>
         </p:nvPicPr>
         <p:blipFill>
-          <a:blip r:embed="rId3" cstate="print">
+          <a:blip r:embed="rId4" cstate="print">
             <a:extLst>
               <a:ext uri="{28A0092B-C50C-407E-A947-70E740481C1C}">
                 <a14:useLocalDpi xmlns:a14="http://schemas.microsoft.com/office/drawing/2010/main" val="0"/>
@@ -5402,7 +5486,7 @@
           <p:nvPr/>
         </p:nvPicPr>
         <p:blipFill>
-          <a:blip r:embed="rId3" cstate="print">
+          <a:blip r:embed="rId4" cstate="print">
             <a:extLst>
               <a:ext uri="{28A0092B-C50C-407E-A947-70E740481C1C}">
                 <a14:useLocalDpi xmlns:a14="http://schemas.microsoft.com/office/drawing/2010/main" val="0"/>
@@ -5443,7 +5527,7 @@
           <p:nvPr/>
         </p:nvPicPr>
         <p:blipFill>
-          <a:blip r:embed="rId3" cstate="print">
+          <a:blip r:embed="rId4" cstate="print">
             <a:extLst>
               <a:ext uri="{28A0092B-C50C-407E-A947-70E740481C1C}">
                 <a14:useLocalDpi xmlns:a14="http://schemas.microsoft.com/office/drawing/2010/main" val="0"/>
@@ -5484,7 +5568,7 @@
           <p:nvPr/>
         </p:nvPicPr>
         <p:blipFill>
-          <a:blip r:embed="rId3" cstate="print">
+          <a:blip r:embed="rId4" cstate="print">
             <a:extLst>
               <a:ext uri="{28A0092B-C50C-407E-A947-70E740481C1C}">
                 <a14:useLocalDpi xmlns:a14="http://schemas.microsoft.com/office/drawing/2010/main" val="0"/>
@@ -5525,7 +5609,7 @@
           <p:nvPr/>
         </p:nvPicPr>
         <p:blipFill>
-          <a:blip r:embed="rId3" cstate="print">
+          <a:blip r:embed="rId4" cstate="print">
             <a:extLst>
               <a:ext uri="{28A0092B-C50C-407E-A947-70E740481C1C}">
                 <a14:useLocalDpi xmlns:a14="http://schemas.microsoft.com/office/drawing/2010/main" val="0"/>
@@ -5566,7 +5650,7 @@
           <p:nvPr/>
         </p:nvPicPr>
         <p:blipFill>
-          <a:blip r:embed="rId3" cstate="print">
+          <a:blip r:embed="rId4" cstate="print">
             <a:extLst>
               <a:ext uri="{28A0092B-C50C-407E-A947-70E740481C1C}">
                 <a14:useLocalDpi xmlns:a14="http://schemas.microsoft.com/office/drawing/2010/main" val="0"/>
@@ -5613,7 +5697,7 @@
           <p:nvPr/>
         </p:nvPicPr>
         <p:blipFill>
-          <a:blip r:embed="rId3" cstate="print">
+          <a:blip r:embed="rId4" cstate="print">
             <a:extLst>
               <a:ext uri="{28A0092B-C50C-407E-A947-70E740481C1C}">
                 <a14:useLocalDpi xmlns:a14="http://schemas.microsoft.com/office/drawing/2010/main" val="0"/>
@@ -5627,7 +5711,7 @@
         </p:blipFill>
         <p:spPr bwMode="auto">
           <a:xfrm>
-            <a:off x="4514990" y="4717628"/>
+            <a:off x="4481539" y="4448156"/>
             <a:ext cx="216878" cy="246686"/>
           </a:xfrm>
           <a:prstGeom prst="rect">
@@ -5660,7 +5744,7 @@
           <p:nvPr/>
         </p:nvPicPr>
         <p:blipFill>
-          <a:blip r:embed="rId3" cstate="print">
+          <a:blip r:embed="rId4" cstate="print">
             <a:extLst>
               <a:ext uri="{28A0092B-C50C-407E-A947-70E740481C1C}">
                 <a14:useLocalDpi xmlns:a14="http://schemas.microsoft.com/office/drawing/2010/main" val="0"/>
@@ -5745,7 +5829,7 @@
           <a:p>
             <a:fld id="{6700A58B-DD98-43D0-B791-721480A02982}" type="datetime1">
               <a:rPr lang="en-US" smtClean="0"/>
-              <a:t>10/23/23</a:t>
+              <a:t>3/4/24</a:t>
             </a:fld>
             <a:endParaRPr lang="en-US"/>
           </a:p>
@@ -5831,7 +5915,7 @@
           <a:p>
             <a:r>
               <a:rPr lang="en-US" dirty="0"/>
-              <a:t>Kwartler CSCI -96</a:t>
+              <a:t>Kwartler </a:t>
             </a:r>
           </a:p>
         </p:txBody>
@@ -6359,7 +6443,7 @@
           <a:p>
             <a:fld id="{6700A58B-DD98-43D0-B791-721480A02982}" type="datetime1">
               <a:rPr lang="en-US" smtClean="0"/>
-              <a:t>10/23/23</a:t>
+              <a:t>3/4/24</a:t>
             </a:fld>
             <a:endParaRPr lang="en-US"/>
           </a:p>
@@ -6445,7 +6529,7 @@
           <a:p>
             <a:r>
               <a:rPr lang="en-US" dirty="0"/>
-              <a:t>Kwartler CSCI -96</a:t>
+              <a:t>Kwartler </a:t>
             </a:r>
           </a:p>
         </p:txBody>
@@ -7026,7 +7110,7 @@
             <a:pPr algn="ctr"/>
             <a:r>
               <a:rPr lang="en-US" dirty="0"/>
-              <a:t>Vote Tally</a:t>
+              <a:t>Vote Tally or Avg if numeric outcome</a:t>
             </a:r>
           </a:p>
         </p:txBody>
@@ -7054,7 +7138,7 @@
           <a:p>
             <a:fld id="{6700A58B-DD98-43D0-B791-721480A02982}" type="datetime1">
               <a:rPr lang="en-US" smtClean="0"/>
-              <a:t>10/23/23</a:t>
+              <a:t>3/4/24</a:t>
             </a:fld>
             <a:endParaRPr lang="en-US"/>
           </a:p>
@@ -7140,7 +7224,7 @@
           <a:p>
             <a:r>
               <a:rPr lang="en-US" dirty="0"/>
-              <a:t>Kwartler CSCI -96</a:t>
+              <a:t>Kwartler </a:t>
             </a:r>
           </a:p>
         </p:txBody>
@@ -10235,7 +10319,7 @@
           <a:p>
             <a:fld id="{6700A58B-DD98-43D0-B791-721480A02982}" type="datetime1">
               <a:rPr lang="en-US" smtClean="0"/>
-              <a:t>10/23/23</a:t>
+              <a:t>3/4/24</a:t>
             </a:fld>
             <a:endParaRPr lang="en-US"/>
           </a:p>
@@ -10321,7 +10405,7 @@
           <a:p>
             <a:r>
               <a:rPr lang="en-US" dirty="0"/>
-              <a:t>Kwartler CSCI -96</a:t>
+              <a:t>Kwartler </a:t>
             </a:r>
           </a:p>
         </p:txBody>
@@ -13481,7 +13565,7 @@
           <a:p>
             <a:fld id="{6700A58B-DD98-43D0-B791-721480A02982}" type="datetime1">
               <a:rPr lang="en-US" smtClean="0"/>
-              <a:t>10/23/23</a:t>
+              <a:t>3/4/24</a:t>
             </a:fld>
             <a:endParaRPr lang="en-US"/>
           </a:p>
@@ -13567,7 +13651,7 @@
           <a:p>
             <a:r>
               <a:rPr lang="en-US" dirty="0"/>
-              <a:t>Kwartler CSCI -96</a:t>
+              <a:t>Kwartler </a:t>
             </a:r>
           </a:p>
         </p:txBody>
@@ -13970,8 +14054,8 @@
         </p:nvCxnSpPr>
         <p:spPr>
           <a:xfrm>
-            <a:off x="3028950" y="2971800"/>
-            <a:ext cx="323850" cy="762000"/>
+            <a:off x="3028950" y="3429000"/>
+            <a:ext cx="323850" cy="304800"/>
           </a:xfrm>
           <a:prstGeom prst="straightConnector1">
             <a:avLst/>
@@ -14004,13 +14088,15 @@
               </a:ext>
             </a:extLst>
           </p:cNvPr>
-          <p:cNvCxnSpPr/>
+          <p:cNvCxnSpPr>
+            <a:cxnSpLocks/>
+          </p:cNvCxnSpPr>
           <p:nvPr/>
         </p:nvCxnSpPr>
         <p:spPr>
-          <a:xfrm>
-            <a:off x="3276600" y="3048000"/>
-            <a:ext cx="76200" cy="685800"/>
+          <a:xfrm flipH="1">
+            <a:off x="3352800" y="3079531"/>
+            <a:ext cx="73572" cy="654269"/>
           </a:xfrm>
           <a:prstGeom prst="straightConnector1">
             <a:avLst/>
@@ -14285,7 +14371,7 @@
           <a:p>
             <a:fld id="{6700A58B-DD98-43D0-B791-721480A02982}" type="datetime1">
               <a:rPr lang="en-US" smtClean="0"/>
-              <a:t>10/23/23</a:t>
+              <a:t>3/4/24</a:t>
             </a:fld>
             <a:endParaRPr lang="en-US"/>
           </a:p>
@@ -14370,10 +14456,9 @@
           <a:lstStyle/>
           <a:p>
             <a:r>
-              <a:rPr lang="en-US"/>
-              <a:t>Kwartler CSCI-96</a:t>
-            </a:r>
-            <a:endParaRPr lang="en-US" dirty="0"/>
+              <a:rPr lang="en-US" dirty="0"/>
+              <a:t>Kwartler </a:t>
+            </a:r>
           </a:p>
         </p:txBody>
       </p:sp>
@@ -16150,7 +16235,7 @@
           <a:p>
             <a:fld id="{6700A58B-DD98-43D0-B791-721480A02982}" type="datetime1">
               <a:rPr lang="en-US" smtClean="0"/>
-              <a:t>10/23/23</a:t>
+              <a:t>3/4/24</a:t>
             </a:fld>
             <a:endParaRPr lang="en-US"/>
           </a:p>
@@ -16235,10 +16320,9 @@
           <a:lstStyle/>
           <a:p>
             <a:r>
-              <a:rPr lang="en-US"/>
-              <a:t>Kwartler CSCI-96</a:t>
-            </a:r>
-            <a:endParaRPr lang="en-US" dirty="0"/>
+              <a:rPr lang="en-US" dirty="0"/>
+              <a:t>Kwartler </a:t>
+            </a:r>
           </a:p>
         </p:txBody>
       </p:sp>
@@ -17796,7 +17880,7 @@
           <a:p>
             <a:fld id="{6700A58B-DD98-43D0-B791-721480A02982}" type="datetime1">
               <a:rPr lang="en-US" smtClean="0"/>
-              <a:t>10/23/23</a:t>
+              <a:t>3/4/24</a:t>
             </a:fld>
             <a:endParaRPr lang="en-US"/>
           </a:p>
@@ -17881,10 +17965,9 @@
           <a:lstStyle/>
           <a:p>
             <a:r>
-              <a:rPr lang="en-US"/>
-              <a:t>Kwartler CSCI-96</a:t>
-            </a:r>
-            <a:endParaRPr lang="en-US" dirty="0"/>
+              <a:rPr lang="en-US" dirty="0"/>
+              <a:t>Kwartler </a:t>
+            </a:r>
           </a:p>
         </p:txBody>
       </p:sp>
